--- a/ergodic/fig.pptx
+++ b/ergodic/fig.pptx
@@ -6,6 +6,7 @@
   </p:sldMasterIdLst>
   <p:sldIdLst>
     <p:sldId id="259" r:id="rId2"/>
+    <p:sldId id="260" r:id="rId3"/>
   </p:sldIdLst>
   <p:sldSz cx="9144000" cy="6858000" type="screen4x3"/>
   <p:notesSz cx="6858000" cy="9144000"/>
@@ -1115,6 +1116,537 @@
 </p:sld>
 </file>
 
+<file path=ppt/slides/slide2.xml><?xml version="1.0" encoding="utf-8"?>
+<p:sld xmlns:a="http://schemas.openxmlformats.org/drawingml/2006/main" xmlns:r="http://schemas.openxmlformats.org/officeDocument/2006/relationships" xmlns:p="http://schemas.openxmlformats.org/presentationml/2006/main">
+  <p:cSld>
+    <p:spTree>
+      <p:nvGrpSpPr>
+        <p:cNvPr id="1" name=""/>
+        <p:cNvGrpSpPr/>
+        <p:nvPr/>
+      </p:nvGrpSpPr>
+      <p:grpSpPr>
+        <a:xfrm>
+          <a:off x="0" y="0"/>
+          <a:ext cx="0" cy="0"/>
+          <a:chOff x="0" y="0"/>
+          <a:chExt cx="0" cy="0"/>
+        </a:xfrm>
+      </p:grpSpPr>
+      <p:cxnSp>
+        <p:nvCxnSpPr>
+          <p:cNvPr id="3" name="直線矢印コネクタ 2">
+            <a:extLst>
+              <a:ext uri="{FF2B5EF4-FFF2-40B4-BE49-F238E27FC236}">
+                <a16:creationId xmlns:a16="http://schemas.microsoft.com/office/drawing/2014/main" id="{45862802-45C8-8645-9294-FA0A3A7C6D6B}"/>
+              </a:ext>
+            </a:extLst>
+          </p:cNvPr>
+          <p:cNvCxnSpPr>
+            <a:cxnSpLocks/>
+          </p:cNvCxnSpPr>
+          <p:nvPr/>
+        </p:nvCxnSpPr>
+        <p:spPr>
+          <a:xfrm>
+            <a:off x="1115616" y="3573016"/>
+            <a:ext cx="3888432" cy="0"/>
+          </a:xfrm>
+          <a:prstGeom prst="straightConnector1">
+            <a:avLst/>
+          </a:prstGeom>
+          <a:ln w="12700">
+            <a:solidFill>
+              <a:schemeClr val="tx1"/>
+            </a:solidFill>
+            <a:tailEnd type="triangle"/>
+          </a:ln>
+        </p:spPr>
+        <p:style>
+          <a:lnRef idx="1">
+            <a:schemeClr val="accent1"/>
+          </a:lnRef>
+          <a:fillRef idx="0">
+            <a:schemeClr val="accent1"/>
+          </a:fillRef>
+          <a:effectRef idx="0">
+            <a:schemeClr val="accent1"/>
+          </a:effectRef>
+          <a:fontRef idx="minor">
+            <a:schemeClr val="tx1"/>
+          </a:fontRef>
+        </p:style>
+      </p:cxnSp>
+      <p:cxnSp>
+        <p:nvCxnSpPr>
+          <p:cNvPr id="5" name="直線矢印コネクタ 4">
+            <a:extLst>
+              <a:ext uri="{FF2B5EF4-FFF2-40B4-BE49-F238E27FC236}">
+                <a16:creationId xmlns:a16="http://schemas.microsoft.com/office/drawing/2014/main" id="{0F216537-5B27-E44F-BD18-0CC2CA43C100}"/>
+              </a:ext>
+            </a:extLst>
+          </p:cNvPr>
+          <p:cNvCxnSpPr>
+            <a:cxnSpLocks/>
+          </p:cNvCxnSpPr>
+          <p:nvPr/>
+        </p:nvCxnSpPr>
+        <p:spPr>
+          <a:xfrm flipV="1">
+            <a:off x="1403648" y="764704"/>
+            <a:ext cx="0" cy="3096344"/>
+          </a:xfrm>
+          <a:prstGeom prst="straightConnector1">
+            <a:avLst/>
+          </a:prstGeom>
+          <a:ln w="12700">
+            <a:solidFill>
+              <a:schemeClr val="tx1"/>
+            </a:solidFill>
+            <a:tailEnd type="triangle"/>
+          </a:ln>
+        </p:spPr>
+        <p:style>
+          <a:lnRef idx="1">
+            <a:schemeClr val="accent1"/>
+          </a:lnRef>
+          <a:fillRef idx="0">
+            <a:schemeClr val="accent1"/>
+          </a:fillRef>
+          <a:effectRef idx="0">
+            <a:schemeClr val="accent1"/>
+          </a:effectRef>
+          <a:fontRef idx="minor">
+            <a:schemeClr val="tx1"/>
+          </a:fontRef>
+        </p:style>
+      </p:cxnSp>
+      <p:sp>
+        <p:nvSpPr>
+          <p:cNvPr id="7" name="フリーフォーム 6">
+            <a:extLst>
+              <a:ext uri="{FF2B5EF4-FFF2-40B4-BE49-F238E27FC236}">
+                <a16:creationId xmlns:a16="http://schemas.microsoft.com/office/drawing/2014/main" id="{E303B6B0-A66E-E24C-A509-8CE5C53A1449}"/>
+              </a:ext>
+            </a:extLst>
+          </p:cNvPr>
+          <p:cNvSpPr/>
+          <p:nvPr/>
+        </p:nvSpPr>
+        <p:spPr>
+          <a:xfrm>
+            <a:off x="1524000" y="850232"/>
+            <a:ext cx="3096126" cy="2550800"/>
+          </a:xfrm>
+          <a:custGeom>
+            <a:avLst/>
+            <a:gdLst>
+              <a:gd name="connsiteX0" fmla="*/ 0 w 3096126"/>
+              <a:gd name="connsiteY0" fmla="*/ 0 h 2550800"/>
+              <a:gd name="connsiteX1" fmla="*/ 810126 w 3096126"/>
+              <a:gd name="connsiteY1" fmla="*/ 2550694 h 2550800"/>
+              <a:gd name="connsiteX2" fmla="*/ 3096126 w 3096126"/>
+              <a:gd name="connsiteY2" fmla="*/ 80210 h 2550800"/>
+            </a:gdLst>
+            <a:ahLst/>
+            <a:cxnLst>
+              <a:cxn ang="0">
+                <a:pos x="connsiteX0" y="connsiteY0"/>
+              </a:cxn>
+              <a:cxn ang="0">
+                <a:pos x="connsiteX1" y="connsiteY1"/>
+              </a:cxn>
+              <a:cxn ang="0">
+                <a:pos x="connsiteX2" y="connsiteY2"/>
+              </a:cxn>
+            </a:cxnLst>
+            <a:rect l="l" t="t" r="r" b="b"/>
+            <a:pathLst>
+              <a:path w="3096126" h="2550800">
+                <a:moveTo>
+                  <a:pt x="0" y="0"/>
+                </a:moveTo>
+                <a:cubicBezTo>
+                  <a:pt x="147052" y="1268663"/>
+                  <a:pt x="294105" y="2537326"/>
+                  <a:pt x="810126" y="2550694"/>
+                </a:cubicBezTo>
+                <a:cubicBezTo>
+                  <a:pt x="1326147" y="2564062"/>
+                  <a:pt x="2211136" y="1322136"/>
+                  <a:pt x="3096126" y="80210"/>
+                </a:cubicBezTo>
+              </a:path>
+            </a:pathLst>
+          </a:custGeom>
+          <a:noFill/>
+          <a:ln>
+            <a:solidFill>
+              <a:schemeClr val="tx1"/>
+            </a:solidFill>
+          </a:ln>
+        </p:spPr>
+        <p:style>
+          <a:lnRef idx="2">
+            <a:schemeClr val="accent1">
+              <a:shade val="50000"/>
+            </a:schemeClr>
+          </a:lnRef>
+          <a:fillRef idx="1">
+            <a:schemeClr val="accent1"/>
+          </a:fillRef>
+          <a:effectRef idx="0">
+            <a:schemeClr val="accent1"/>
+          </a:effectRef>
+          <a:fontRef idx="minor">
+            <a:schemeClr val="lt1"/>
+          </a:fontRef>
+        </p:style>
+        <p:txBody>
+          <a:bodyPr rtlCol="0" anchor="ctr"/>
+          <a:lstStyle/>
+          <a:p>
+            <a:pPr algn="ctr"/>
+            <a:endParaRPr kumimoji="1" lang="ja-JP" altLang="en-US"/>
+          </a:p>
+        </p:txBody>
+      </p:sp>
+      <p:cxnSp>
+        <p:nvCxnSpPr>
+          <p:cNvPr id="9" name="直線コネクタ 8">
+            <a:extLst>
+              <a:ext uri="{FF2B5EF4-FFF2-40B4-BE49-F238E27FC236}">
+                <a16:creationId xmlns:a16="http://schemas.microsoft.com/office/drawing/2014/main" id="{50D28CDB-4267-7144-B616-B3FA6A523FD7}"/>
+              </a:ext>
+            </a:extLst>
+          </p:cNvPr>
+          <p:cNvCxnSpPr>
+            <a:cxnSpLocks/>
+          </p:cNvCxnSpPr>
+          <p:nvPr/>
+        </p:nvCxnSpPr>
+        <p:spPr>
+          <a:xfrm>
+            <a:off x="1187624" y="2564904"/>
+            <a:ext cx="3744416" cy="0"/>
+          </a:xfrm>
+          <a:prstGeom prst="line">
+            <a:avLst/>
+          </a:prstGeom>
+          <a:ln w="12700">
+            <a:solidFill>
+              <a:schemeClr val="tx1"/>
+            </a:solidFill>
+          </a:ln>
+        </p:spPr>
+        <p:style>
+          <a:lnRef idx="1">
+            <a:schemeClr val="accent1"/>
+          </a:lnRef>
+          <a:fillRef idx="0">
+            <a:schemeClr val="accent1"/>
+          </a:fillRef>
+          <a:effectRef idx="0">
+            <a:schemeClr val="accent1"/>
+          </a:effectRef>
+          <a:fontRef idx="minor">
+            <a:schemeClr val="tx1"/>
+          </a:fontRef>
+        </p:style>
+      </p:cxnSp>
+      <p:sp>
+        <p:nvSpPr>
+          <p:cNvPr id="11" name="テキスト ボックス 10">
+            <a:extLst>
+              <a:ext uri="{FF2B5EF4-FFF2-40B4-BE49-F238E27FC236}">
+                <a16:creationId xmlns:a16="http://schemas.microsoft.com/office/drawing/2014/main" id="{FDD21957-7BFB-6F4B-9C41-3FF1344BBB55}"/>
+              </a:ext>
+            </a:extLst>
+          </p:cNvPr>
+          <p:cNvSpPr txBox="1"/>
+          <p:nvPr/>
+        </p:nvSpPr>
+        <p:spPr>
+          <a:xfrm>
+            <a:off x="5148064" y="3429000"/>
+            <a:ext cx="264816" cy="369332"/>
+          </a:xfrm>
+          <a:prstGeom prst="rect">
+            <a:avLst/>
+          </a:prstGeom>
+          <a:noFill/>
+        </p:spPr>
+        <p:txBody>
+          <a:bodyPr wrap="none" rtlCol="0">
+            <a:spAutoFit/>
+          </a:bodyPr>
+          <a:lstStyle/>
+          <a:p>
+            <a:r>
+              <a:rPr kumimoji="1" lang="en-US" altLang="ja-JP"/>
+              <a:t>r</a:t>
+            </a:r>
+            <a:endParaRPr kumimoji="1" lang="ja-JP" altLang="en-US"/>
+          </a:p>
+        </p:txBody>
+      </p:sp>
+      <p:pic>
+        <p:nvPicPr>
+          <p:cNvPr id="12" name="図 11">
+            <a:extLst>
+              <a:ext uri="{FF2B5EF4-FFF2-40B4-BE49-F238E27FC236}">
+                <a16:creationId xmlns:a16="http://schemas.microsoft.com/office/drawing/2014/main" id="{60003EC4-CAF0-8344-9C5D-3C61B0600149}"/>
+              </a:ext>
+            </a:extLst>
+          </p:cNvPr>
+          <p:cNvPicPr>
+            <a:picLocks noChangeAspect="1"/>
+          </p:cNvPicPr>
+          <p:nvPr/>
+        </p:nvPicPr>
+        <p:blipFill>
+          <a:blip r:embed="rId2"/>
+          <a:stretch>
+            <a:fillRect/>
+          </a:stretch>
+        </p:blipFill>
+        <p:spPr>
+          <a:xfrm>
+            <a:off x="827584" y="404664"/>
+            <a:ext cx="1008112" cy="257889"/>
+          </a:xfrm>
+          <a:prstGeom prst="rect">
+            <a:avLst/>
+          </a:prstGeom>
+        </p:spPr>
+      </p:pic>
+      <p:sp>
+        <p:nvSpPr>
+          <p:cNvPr id="13" name="テキスト ボックス 12">
+            <a:extLst>
+              <a:ext uri="{FF2B5EF4-FFF2-40B4-BE49-F238E27FC236}">
+                <a16:creationId xmlns:a16="http://schemas.microsoft.com/office/drawing/2014/main" id="{930436F4-0A3B-764C-94CC-B30894818A6A}"/>
+              </a:ext>
+            </a:extLst>
+          </p:cNvPr>
+          <p:cNvSpPr txBox="1"/>
+          <p:nvPr/>
+        </p:nvSpPr>
+        <p:spPr>
+          <a:xfrm>
+            <a:off x="1115616" y="3501008"/>
+            <a:ext cx="336952" cy="369332"/>
+          </a:xfrm>
+          <a:prstGeom prst="rect">
+            <a:avLst/>
+          </a:prstGeom>
+          <a:noFill/>
+        </p:spPr>
+        <p:txBody>
+          <a:bodyPr wrap="none" rtlCol="0">
+            <a:spAutoFit/>
+          </a:bodyPr>
+          <a:lstStyle/>
+          <a:p>
+            <a:r>
+              <a:rPr kumimoji="1" lang="en-US" altLang="ja-JP"/>
+              <a:t>O</a:t>
+            </a:r>
+            <a:endParaRPr kumimoji="1" lang="ja-JP" altLang="en-US"/>
+          </a:p>
+        </p:txBody>
+      </p:sp>
+      <p:cxnSp>
+        <p:nvCxnSpPr>
+          <p:cNvPr id="16" name="直線コネクタ 15">
+            <a:extLst>
+              <a:ext uri="{FF2B5EF4-FFF2-40B4-BE49-F238E27FC236}">
+                <a16:creationId xmlns:a16="http://schemas.microsoft.com/office/drawing/2014/main" id="{07161140-3159-074E-AA5C-E3AF5FE01841}"/>
+              </a:ext>
+            </a:extLst>
+          </p:cNvPr>
+          <p:cNvCxnSpPr/>
+          <p:nvPr/>
+        </p:nvCxnSpPr>
+        <p:spPr>
+          <a:xfrm>
+            <a:off x="3411851" y="2564904"/>
+            <a:ext cx="0" cy="1008112"/>
+          </a:xfrm>
+          <a:prstGeom prst="line">
+            <a:avLst/>
+          </a:prstGeom>
+          <a:ln w="12700">
+            <a:solidFill>
+              <a:schemeClr val="tx1"/>
+            </a:solidFill>
+          </a:ln>
+        </p:spPr>
+        <p:style>
+          <a:lnRef idx="1">
+            <a:schemeClr val="accent1"/>
+          </a:lnRef>
+          <a:fillRef idx="0">
+            <a:schemeClr val="accent1"/>
+          </a:fillRef>
+          <a:effectRef idx="0">
+            <a:schemeClr val="accent1"/>
+          </a:effectRef>
+          <a:fontRef idx="minor">
+            <a:schemeClr val="tx1"/>
+          </a:fontRef>
+        </p:style>
+      </p:cxnSp>
+      <p:cxnSp>
+        <p:nvCxnSpPr>
+          <p:cNvPr id="17" name="直線コネクタ 16">
+            <a:extLst>
+              <a:ext uri="{FF2B5EF4-FFF2-40B4-BE49-F238E27FC236}">
+                <a16:creationId xmlns:a16="http://schemas.microsoft.com/office/drawing/2014/main" id="{42046945-2B29-8F4C-9D88-31A6CC891650}"/>
+              </a:ext>
+            </a:extLst>
+          </p:cNvPr>
+          <p:cNvCxnSpPr/>
+          <p:nvPr/>
+        </p:nvCxnSpPr>
+        <p:spPr>
+          <a:xfrm>
+            <a:off x="1791599" y="2556883"/>
+            <a:ext cx="0" cy="1008112"/>
+          </a:xfrm>
+          <a:prstGeom prst="line">
+            <a:avLst/>
+          </a:prstGeom>
+          <a:ln w="12700">
+            <a:solidFill>
+              <a:schemeClr val="tx1"/>
+            </a:solidFill>
+          </a:ln>
+        </p:spPr>
+        <p:style>
+          <a:lnRef idx="1">
+            <a:schemeClr val="accent1"/>
+          </a:lnRef>
+          <a:fillRef idx="0">
+            <a:schemeClr val="accent1"/>
+          </a:fillRef>
+          <a:effectRef idx="0">
+            <a:schemeClr val="accent1"/>
+          </a:effectRef>
+          <a:fontRef idx="minor">
+            <a:schemeClr val="tx1"/>
+          </a:fontRef>
+        </p:style>
+      </p:cxnSp>
+      <p:pic>
+        <p:nvPicPr>
+          <p:cNvPr id="18" name="図 17">
+            <a:extLst>
+              <a:ext uri="{FF2B5EF4-FFF2-40B4-BE49-F238E27FC236}">
+                <a16:creationId xmlns:a16="http://schemas.microsoft.com/office/drawing/2014/main" id="{2E017291-2CEA-4447-9F2C-B8F63562AF59}"/>
+              </a:ext>
+            </a:extLst>
+          </p:cNvPr>
+          <p:cNvPicPr>
+            <a:picLocks noChangeAspect="1"/>
+          </p:cNvPicPr>
+          <p:nvPr/>
+        </p:nvPicPr>
+        <p:blipFill>
+          <a:blip r:embed="rId3"/>
+          <a:stretch>
+            <a:fillRect/>
+          </a:stretch>
+        </p:blipFill>
+        <p:spPr>
+          <a:xfrm>
+            <a:off x="1613235" y="3737809"/>
+            <a:ext cx="503413" cy="175795"/>
+          </a:xfrm>
+          <a:prstGeom prst="rect">
+            <a:avLst/>
+          </a:prstGeom>
+        </p:spPr>
+      </p:pic>
+      <p:pic>
+        <p:nvPicPr>
+          <p:cNvPr id="19" name="図 18">
+            <a:extLst>
+              <a:ext uri="{FF2B5EF4-FFF2-40B4-BE49-F238E27FC236}">
+                <a16:creationId xmlns:a16="http://schemas.microsoft.com/office/drawing/2014/main" id="{754EF410-69B8-B746-8E00-6776F4A92DAB}"/>
+              </a:ext>
+            </a:extLst>
+          </p:cNvPr>
+          <p:cNvPicPr>
+            <a:picLocks noChangeAspect="1"/>
+          </p:cNvPicPr>
+          <p:nvPr/>
+        </p:nvPicPr>
+        <p:blipFill>
+          <a:blip r:embed="rId4"/>
+          <a:stretch>
+            <a:fillRect/>
+          </a:stretch>
+        </p:blipFill>
+        <p:spPr>
+          <a:xfrm>
+            <a:off x="3129547" y="3737810"/>
+            <a:ext cx="543366" cy="175795"/>
+          </a:xfrm>
+          <a:prstGeom prst="rect">
+            <a:avLst/>
+          </a:prstGeom>
+        </p:spPr>
+      </p:pic>
+      <p:sp>
+        <p:nvSpPr>
+          <p:cNvPr id="20" name="テキスト ボックス 19">
+            <a:extLst>
+              <a:ext uri="{FF2B5EF4-FFF2-40B4-BE49-F238E27FC236}">
+                <a16:creationId xmlns:a16="http://schemas.microsoft.com/office/drawing/2014/main" id="{974BAB80-E6C1-7C44-B744-E275A3166982}"/>
+              </a:ext>
+            </a:extLst>
+          </p:cNvPr>
+          <p:cNvSpPr txBox="1"/>
+          <p:nvPr/>
+        </p:nvSpPr>
+        <p:spPr>
+          <a:xfrm>
+            <a:off x="888883" y="2378242"/>
+            <a:ext cx="308098" cy="369332"/>
+          </a:xfrm>
+          <a:prstGeom prst="rect">
+            <a:avLst/>
+          </a:prstGeom>
+          <a:noFill/>
+        </p:spPr>
+        <p:txBody>
+          <a:bodyPr wrap="none" rtlCol="0">
+            <a:spAutoFit/>
+          </a:bodyPr>
+          <a:lstStyle/>
+          <a:p>
+            <a:r>
+              <a:rPr kumimoji="1" lang="en-US" altLang="ja-JP"/>
+              <a:t>C</a:t>
+            </a:r>
+            <a:endParaRPr kumimoji="1" lang="ja-JP" altLang="en-US"/>
+          </a:p>
+        </p:txBody>
+      </p:sp>
+    </p:spTree>
+    <p:extLst>
+      <p:ext uri="{BB962C8B-B14F-4D97-AF65-F5344CB8AC3E}">
+        <p14:creationId xmlns:p14="http://schemas.microsoft.com/office/powerpoint/2010/main" val="1367481638"/>
+      </p:ext>
+    </p:extLst>
+  </p:cSld>
+  <p:clrMapOvr>
+    <a:masterClrMapping/>
+  </p:clrMapOvr>
+</p:sld>
+</file>
+
 <file path=ppt/theme/theme1.xml><?xml version="1.0" encoding="utf-8"?>
 <a:theme xmlns:a="http://schemas.openxmlformats.org/drawingml/2006/main" name="Office テーマ">
   <a:themeElements>

--- a/ergodic/fig.pptx
+++ b/ergodic/fig.pptx
@@ -7,6 +7,8 @@
   <p:sldIdLst>
     <p:sldId id="259" r:id="rId2"/>
     <p:sldId id="260" r:id="rId3"/>
+    <p:sldId id="261" r:id="rId4"/>
+    <p:sldId id="262" r:id="rId5"/>
   </p:sldIdLst>
   <p:sldSz cx="9144000" cy="6858000" type="screen4x3"/>
   <p:notesSz cx="6858000" cy="9144000"/>
@@ -1638,6 +1640,916 @@
     <p:extLst>
       <p:ext uri="{BB962C8B-B14F-4D97-AF65-F5344CB8AC3E}">
         <p14:creationId xmlns:p14="http://schemas.microsoft.com/office/powerpoint/2010/main" val="1367481638"/>
+      </p:ext>
+    </p:extLst>
+  </p:cSld>
+  <p:clrMapOvr>
+    <a:masterClrMapping/>
+  </p:clrMapOvr>
+</p:sld>
+</file>
+
+<file path=ppt/slides/slide3.xml><?xml version="1.0" encoding="utf-8"?>
+<p:sld xmlns:a="http://schemas.openxmlformats.org/drawingml/2006/main" xmlns:r="http://schemas.openxmlformats.org/officeDocument/2006/relationships" xmlns:p="http://schemas.openxmlformats.org/presentationml/2006/main">
+  <p:cSld>
+    <p:spTree>
+      <p:nvGrpSpPr>
+        <p:cNvPr id="1" name=""/>
+        <p:cNvGrpSpPr/>
+        <p:nvPr/>
+      </p:nvGrpSpPr>
+      <p:grpSpPr>
+        <a:xfrm>
+          <a:off x="0" y="0"/>
+          <a:ext cx="0" cy="0"/>
+          <a:chOff x="0" y="0"/>
+          <a:chExt cx="0" cy="0"/>
+        </a:xfrm>
+      </p:grpSpPr>
+      <p:sp>
+        <p:nvSpPr>
+          <p:cNvPr id="2" name="正方形/長方形 1">
+            <a:extLst>
+              <a:ext uri="{FF2B5EF4-FFF2-40B4-BE49-F238E27FC236}">
+                <a16:creationId xmlns:a16="http://schemas.microsoft.com/office/drawing/2014/main" id="{EAD69333-75AB-7F4C-B4D7-A52F707A5CAF}"/>
+              </a:ext>
+            </a:extLst>
+          </p:cNvPr>
+          <p:cNvSpPr/>
+          <p:nvPr/>
+        </p:nvSpPr>
+        <p:spPr>
+          <a:xfrm rot="16200000">
+            <a:off x="2663788" y="-1287524"/>
+            <a:ext cx="1368152" cy="4608512"/>
+          </a:xfrm>
+          <a:prstGeom prst="rect">
+            <a:avLst/>
+          </a:prstGeom>
+          <a:noFill/>
+          <a:ln>
+            <a:solidFill>
+              <a:schemeClr val="tx1"/>
+            </a:solidFill>
+          </a:ln>
+        </p:spPr>
+        <p:style>
+          <a:lnRef idx="2">
+            <a:schemeClr val="accent1">
+              <a:shade val="50000"/>
+            </a:schemeClr>
+          </a:lnRef>
+          <a:fillRef idx="1">
+            <a:schemeClr val="accent1"/>
+          </a:fillRef>
+          <a:effectRef idx="0">
+            <a:schemeClr val="accent1"/>
+          </a:effectRef>
+          <a:fontRef idx="minor">
+            <a:schemeClr val="lt1"/>
+          </a:fontRef>
+        </p:style>
+        <p:txBody>
+          <a:bodyPr rtlCol="0" anchor="ctr"/>
+          <a:lstStyle/>
+          <a:p>
+            <a:pPr algn="ctr"/>
+            <a:endParaRPr kumimoji="1" lang="ja-JP" altLang="en-US">
+              <a:solidFill>
+                <a:schemeClr val="tx1"/>
+              </a:solidFill>
+            </a:endParaRPr>
+          </a:p>
+        </p:txBody>
+      </p:sp>
+      <p:sp>
+        <p:nvSpPr>
+          <p:cNvPr id="3" name="角丸四角形 2">
+            <a:extLst>
+              <a:ext uri="{FF2B5EF4-FFF2-40B4-BE49-F238E27FC236}">
+                <a16:creationId xmlns:a16="http://schemas.microsoft.com/office/drawing/2014/main" id="{516E39EC-2A79-AE47-9FC8-3E724E9207A4}"/>
+              </a:ext>
+            </a:extLst>
+          </p:cNvPr>
+          <p:cNvSpPr/>
+          <p:nvPr/>
+        </p:nvSpPr>
+        <p:spPr>
+          <a:xfrm rot="16200000">
+            <a:off x="1577162" y="-63385"/>
+            <a:ext cx="1224136" cy="2160240"/>
+          </a:xfrm>
+          <a:prstGeom prst="roundRect">
+            <a:avLst/>
+          </a:prstGeom>
+          <a:solidFill>
+            <a:srgbClr val="FF0000"/>
+          </a:solidFill>
+          <a:ln>
+            <a:solidFill>
+              <a:schemeClr val="tx1"/>
+            </a:solidFill>
+          </a:ln>
+        </p:spPr>
+        <p:style>
+          <a:lnRef idx="2">
+            <a:schemeClr val="accent1">
+              <a:shade val="50000"/>
+            </a:schemeClr>
+          </a:lnRef>
+          <a:fillRef idx="1">
+            <a:schemeClr val="accent1"/>
+          </a:fillRef>
+          <a:effectRef idx="0">
+            <a:schemeClr val="accent1"/>
+          </a:effectRef>
+          <a:fontRef idx="minor">
+            <a:schemeClr val="lt1"/>
+          </a:fontRef>
+        </p:style>
+        <p:txBody>
+          <a:bodyPr rtlCol="0" anchor="ctr"/>
+          <a:lstStyle/>
+          <a:p>
+            <a:pPr algn="ctr"/>
+            <a:endParaRPr kumimoji="1" lang="ja-JP" altLang="en-US">
+              <a:solidFill>
+                <a:schemeClr val="tx1"/>
+              </a:solidFill>
+            </a:endParaRPr>
+          </a:p>
+        </p:txBody>
+      </p:sp>
+      <p:sp>
+        <p:nvSpPr>
+          <p:cNvPr id="4" name="角丸四角形 3">
+            <a:extLst>
+              <a:ext uri="{FF2B5EF4-FFF2-40B4-BE49-F238E27FC236}">
+                <a16:creationId xmlns:a16="http://schemas.microsoft.com/office/drawing/2014/main" id="{3CB37959-F0EE-0B45-808A-FA13BB2D95AD}"/>
+              </a:ext>
+            </a:extLst>
+          </p:cNvPr>
+          <p:cNvSpPr/>
+          <p:nvPr/>
+        </p:nvSpPr>
+        <p:spPr>
+          <a:xfrm rot="16200000">
+            <a:off x="3887924" y="-63388"/>
+            <a:ext cx="1224136" cy="2160240"/>
+          </a:xfrm>
+          <a:prstGeom prst="roundRect">
+            <a:avLst/>
+          </a:prstGeom>
+          <a:solidFill>
+            <a:srgbClr val="0070C0"/>
+          </a:solidFill>
+          <a:ln>
+            <a:solidFill>
+              <a:schemeClr val="tx1"/>
+            </a:solidFill>
+          </a:ln>
+        </p:spPr>
+        <p:style>
+          <a:lnRef idx="2">
+            <a:schemeClr val="accent1">
+              <a:shade val="50000"/>
+            </a:schemeClr>
+          </a:lnRef>
+          <a:fillRef idx="1">
+            <a:schemeClr val="accent1"/>
+          </a:fillRef>
+          <a:effectRef idx="0">
+            <a:schemeClr val="accent1"/>
+          </a:effectRef>
+          <a:fontRef idx="minor">
+            <a:schemeClr val="lt1"/>
+          </a:fontRef>
+        </p:style>
+        <p:txBody>
+          <a:bodyPr rtlCol="0" anchor="ctr"/>
+          <a:lstStyle/>
+          <a:p>
+            <a:pPr algn="ctr"/>
+            <a:endParaRPr kumimoji="1" lang="ja-JP" altLang="en-US">
+              <a:solidFill>
+                <a:schemeClr val="tx1"/>
+              </a:solidFill>
+            </a:endParaRPr>
+          </a:p>
+        </p:txBody>
+      </p:sp>
+      <p:sp>
+        <p:nvSpPr>
+          <p:cNvPr id="5" name="テキスト ボックス 4">
+            <a:extLst>
+              <a:ext uri="{FF2B5EF4-FFF2-40B4-BE49-F238E27FC236}">
+                <a16:creationId xmlns:a16="http://schemas.microsoft.com/office/drawing/2014/main" id="{D6CE5CC0-0859-0443-B30D-B089DC7B4348}"/>
+              </a:ext>
+            </a:extLst>
+          </p:cNvPr>
+          <p:cNvSpPr txBox="1"/>
+          <p:nvPr/>
+        </p:nvSpPr>
+        <p:spPr>
+          <a:xfrm>
+            <a:off x="1181118" y="692699"/>
+            <a:ext cx="1869486" cy="646331"/>
+          </a:xfrm>
+          <a:prstGeom prst="rect">
+            <a:avLst/>
+          </a:prstGeom>
+          <a:noFill/>
+        </p:spPr>
+        <p:txBody>
+          <a:bodyPr wrap="none" rtlCol="0">
+            <a:spAutoFit/>
+          </a:bodyPr>
+          <a:lstStyle/>
+          <a:p>
+            <a:r>
+              <a:rPr kumimoji="1" lang="en-US" altLang="ja-JP"/>
+              <a:t>High Temperature</a:t>
+            </a:r>
+          </a:p>
+          <a:p>
+            <a:r>
+              <a:rPr kumimoji="1" lang="en-US" altLang="ja-JP"/>
+              <a:t>Region</a:t>
+            </a:r>
+            <a:endParaRPr kumimoji="1" lang="ja-JP" altLang="en-US"/>
+          </a:p>
+        </p:txBody>
+      </p:sp>
+      <p:sp>
+        <p:nvSpPr>
+          <p:cNvPr id="6" name="テキスト ボックス 5">
+            <a:extLst>
+              <a:ext uri="{FF2B5EF4-FFF2-40B4-BE49-F238E27FC236}">
+                <a16:creationId xmlns:a16="http://schemas.microsoft.com/office/drawing/2014/main" id="{AE856C9F-3CFE-0644-A8B4-DDA24463D7AA}"/>
+              </a:ext>
+            </a:extLst>
+          </p:cNvPr>
+          <p:cNvSpPr txBox="1"/>
+          <p:nvPr/>
+        </p:nvSpPr>
+        <p:spPr>
+          <a:xfrm>
+            <a:off x="3485374" y="620691"/>
+            <a:ext cx="1825308" cy="646331"/>
+          </a:xfrm>
+          <a:prstGeom prst="rect">
+            <a:avLst/>
+          </a:prstGeom>
+          <a:noFill/>
+        </p:spPr>
+        <p:txBody>
+          <a:bodyPr wrap="none" rtlCol="0">
+            <a:spAutoFit/>
+          </a:bodyPr>
+          <a:lstStyle/>
+          <a:p>
+            <a:r>
+              <a:rPr kumimoji="1" lang="en-US" altLang="ja-JP"/>
+              <a:t>Low Temperature</a:t>
+            </a:r>
+          </a:p>
+          <a:p>
+            <a:r>
+              <a:rPr kumimoji="1" lang="en-US" altLang="ja-JP"/>
+              <a:t>Region</a:t>
+            </a:r>
+            <a:endParaRPr kumimoji="1" lang="ja-JP" altLang="en-US"/>
+          </a:p>
+        </p:txBody>
+      </p:sp>
+    </p:spTree>
+    <p:extLst>
+      <p:ext uri="{BB962C8B-B14F-4D97-AF65-F5344CB8AC3E}">
+        <p14:creationId xmlns:p14="http://schemas.microsoft.com/office/powerpoint/2010/main" val="1993171473"/>
+      </p:ext>
+    </p:extLst>
+  </p:cSld>
+  <p:clrMapOvr>
+    <a:masterClrMapping/>
+  </p:clrMapOvr>
+</p:sld>
+</file>
+
+<file path=ppt/slides/slide4.xml><?xml version="1.0" encoding="utf-8"?>
+<p:sld xmlns:a="http://schemas.openxmlformats.org/drawingml/2006/main" xmlns:r="http://schemas.openxmlformats.org/officeDocument/2006/relationships" xmlns:p="http://schemas.openxmlformats.org/presentationml/2006/main">
+  <p:cSld>
+    <p:spTree>
+      <p:nvGrpSpPr>
+        <p:cNvPr id="1" name=""/>
+        <p:cNvGrpSpPr/>
+        <p:nvPr/>
+      </p:nvGrpSpPr>
+      <p:grpSpPr>
+        <a:xfrm>
+          <a:off x="0" y="0"/>
+          <a:ext cx="0" cy="0"/>
+          <a:chOff x="0" y="0"/>
+          <a:chExt cx="0" cy="0"/>
+        </a:xfrm>
+      </p:grpSpPr>
+      <p:pic>
+        <p:nvPicPr>
+          <p:cNvPr id="2" name="Picture 2">
+            <a:extLst>
+              <a:ext uri="{FF2B5EF4-FFF2-40B4-BE49-F238E27FC236}">
+                <a16:creationId xmlns:a16="http://schemas.microsoft.com/office/drawing/2014/main" id="{2BFCFAEE-442F-914E-BC43-D241FE11868B}"/>
+              </a:ext>
+            </a:extLst>
+          </p:cNvPr>
+          <p:cNvPicPr>
+            <a:picLocks noChangeAspect="1" noChangeArrowheads="1"/>
+          </p:cNvPicPr>
+          <p:nvPr/>
+        </p:nvPicPr>
+        <p:blipFill>
+          <a:blip r:embed="rId2" cstate="print"/>
+          <a:srcRect/>
+          <a:stretch>
+            <a:fillRect/>
+          </a:stretch>
+        </p:blipFill>
+        <p:spPr bwMode="auto">
+          <a:xfrm>
+            <a:off x="395536" y="764704"/>
+            <a:ext cx="3492973" cy="2520280"/>
+          </a:xfrm>
+          <a:prstGeom prst="rect">
+            <a:avLst/>
+          </a:prstGeom>
+          <a:noFill/>
+          <a:ln w="9525">
+            <a:noFill/>
+            <a:miter lim="800000"/>
+            <a:headEnd/>
+            <a:tailEnd/>
+          </a:ln>
+        </p:spPr>
+      </p:pic>
+      <p:pic>
+        <p:nvPicPr>
+          <p:cNvPr id="3" name="Picture 2">
+            <a:extLst>
+              <a:ext uri="{FF2B5EF4-FFF2-40B4-BE49-F238E27FC236}">
+                <a16:creationId xmlns:a16="http://schemas.microsoft.com/office/drawing/2014/main" id="{82172406-8504-A14B-B4DB-DC92E9947082}"/>
+              </a:ext>
+            </a:extLst>
+          </p:cNvPr>
+          <p:cNvPicPr>
+            <a:picLocks noChangeAspect="1" noChangeArrowheads="1"/>
+          </p:cNvPicPr>
+          <p:nvPr/>
+        </p:nvPicPr>
+        <p:blipFill>
+          <a:blip r:embed="rId3" cstate="print"/>
+          <a:srcRect/>
+          <a:stretch>
+            <a:fillRect/>
+          </a:stretch>
+        </p:blipFill>
+        <p:spPr bwMode="auto">
+          <a:xfrm>
+            <a:off x="4644008" y="836712"/>
+            <a:ext cx="3396120" cy="2376264"/>
+          </a:xfrm>
+          <a:prstGeom prst="rect">
+            <a:avLst/>
+          </a:prstGeom>
+          <a:noFill/>
+          <a:ln w="9525">
+            <a:noFill/>
+            <a:miter lim="800000"/>
+            <a:headEnd/>
+            <a:tailEnd/>
+          </a:ln>
+        </p:spPr>
+      </p:pic>
+      <p:sp>
+        <p:nvSpPr>
+          <p:cNvPr id="4" name="テキスト ボックス 3">
+            <a:extLst>
+              <a:ext uri="{FF2B5EF4-FFF2-40B4-BE49-F238E27FC236}">
+                <a16:creationId xmlns:a16="http://schemas.microsoft.com/office/drawing/2014/main" id="{66112FE1-70EF-D641-9AA8-F68D51BC7641}"/>
+              </a:ext>
+            </a:extLst>
+          </p:cNvPr>
+          <p:cNvSpPr txBox="1"/>
+          <p:nvPr/>
+        </p:nvSpPr>
+        <p:spPr>
+          <a:xfrm>
+            <a:off x="1331640" y="404664"/>
+            <a:ext cx="1388585" cy="369332"/>
+          </a:xfrm>
+          <a:prstGeom prst="rect">
+            <a:avLst/>
+          </a:prstGeom>
+          <a:noFill/>
+        </p:spPr>
+        <p:txBody>
+          <a:bodyPr wrap="none" rtlCol="0">
+            <a:spAutoFit/>
+          </a:bodyPr>
+          <a:lstStyle/>
+          <a:p>
+            <a:r>
+              <a:rPr kumimoji="1" lang="en-US" altLang="ja-JP"/>
+              <a:t>Temperature</a:t>
+            </a:r>
+            <a:endParaRPr kumimoji="1" lang="ja-JP" altLang="en-US"/>
+          </a:p>
+        </p:txBody>
+      </p:sp>
+      <p:sp>
+        <p:nvSpPr>
+          <p:cNvPr id="5" name="テキスト ボックス 4">
+            <a:extLst>
+              <a:ext uri="{FF2B5EF4-FFF2-40B4-BE49-F238E27FC236}">
+                <a16:creationId xmlns:a16="http://schemas.microsoft.com/office/drawing/2014/main" id="{C7D2F056-4C57-9341-9B4C-579DD6BBFBD5}"/>
+              </a:ext>
+            </a:extLst>
+          </p:cNvPr>
+          <p:cNvSpPr txBox="1"/>
+          <p:nvPr/>
+        </p:nvSpPr>
+        <p:spPr>
+          <a:xfrm>
+            <a:off x="5868144" y="404664"/>
+            <a:ext cx="888448" cy="369332"/>
+          </a:xfrm>
+          <a:prstGeom prst="rect">
+            <a:avLst/>
+          </a:prstGeom>
+          <a:noFill/>
+        </p:spPr>
+        <p:txBody>
+          <a:bodyPr wrap="none" rtlCol="0">
+            <a:spAutoFit/>
+          </a:bodyPr>
+          <a:lstStyle/>
+          <a:p>
+            <a:r>
+              <a:rPr kumimoji="1" lang="en-US" altLang="ja-JP"/>
+              <a:t>Spectra</a:t>
+            </a:r>
+            <a:endParaRPr kumimoji="1" lang="ja-JP" altLang="en-US"/>
+          </a:p>
+        </p:txBody>
+      </p:sp>
+      <p:sp>
+        <p:nvSpPr>
+          <p:cNvPr id="6" name="テキスト ボックス 5">
+            <a:extLst>
+              <a:ext uri="{FF2B5EF4-FFF2-40B4-BE49-F238E27FC236}">
+                <a16:creationId xmlns:a16="http://schemas.microsoft.com/office/drawing/2014/main" id="{DC2B8257-BEF6-824E-9D49-A7D6E8E0518F}"/>
+              </a:ext>
+            </a:extLst>
+          </p:cNvPr>
+          <p:cNvSpPr txBox="1"/>
+          <p:nvPr/>
+        </p:nvSpPr>
+        <p:spPr>
+          <a:xfrm>
+            <a:off x="971600" y="1484784"/>
+            <a:ext cx="2097562" cy="369332"/>
+          </a:xfrm>
+          <a:prstGeom prst="rect">
+            <a:avLst/>
+          </a:prstGeom>
+          <a:noFill/>
+        </p:spPr>
+        <p:txBody>
+          <a:bodyPr wrap="none" rtlCol="0">
+            <a:spAutoFit/>
+          </a:bodyPr>
+          <a:lstStyle/>
+          <a:p>
+            <a:r>
+              <a:rPr kumimoji="1" lang="en-US" altLang="ja-JP"/>
+              <a:t>Without Thermostat</a:t>
+            </a:r>
+            <a:endParaRPr kumimoji="1" lang="ja-JP" altLang="en-US"/>
+          </a:p>
+        </p:txBody>
+      </p:sp>
+      <p:sp>
+        <p:nvSpPr>
+          <p:cNvPr id="7" name="テキスト ボックス 6">
+            <a:extLst>
+              <a:ext uri="{FF2B5EF4-FFF2-40B4-BE49-F238E27FC236}">
+                <a16:creationId xmlns:a16="http://schemas.microsoft.com/office/drawing/2014/main" id="{C416E946-AA8C-F14E-B960-C0EA7C129537}"/>
+              </a:ext>
+            </a:extLst>
+          </p:cNvPr>
+          <p:cNvSpPr txBox="1"/>
+          <p:nvPr/>
+        </p:nvSpPr>
+        <p:spPr>
+          <a:xfrm>
+            <a:off x="1043608" y="1988840"/>
+            <a:ext cx="1776961" cy="369332"/>
+          </a:xfrm>
+          <a:prstGeom prst="rect">
+            <a:avLst/>
+          </a:prstGeom>
+          <a:noFill/>
+        </p:spPr>
+        <p:txBody>
+          <a:bodyPr wrap="none" rtlCol="0">
+            <a:spAutoFit/>
+          </a:bodyPr>
+          <a:lstStyle/>
+          <a:p>
+            <a:r>
+              <a:rPr kumimoji="1" lang="en-US" altLang="ja-JP"/>
+              <a:t>With Thermostat</a:t>
+            </a:r>
+            <a:endParaRPr kumimoji="1" lang="ja-JP" altLang="en-US"/>
+          </a:p>
+        </p:txBody>
+      </p:sp>
+      <p:cxnSp>
+        <p:nvCxnSpPr>
+          <p:cNvPr id="9" name="直線矢印コネクタ 8">
+            <a:extLst>
+              <a:ext uri="{FF2B5EF4-FFF2-40B4-BE49-F238E27FC236}">
+                <a16:creationId xmlns:a16="http://schemas.microsoft.com/office/drawing/2014/main" id="{1852B660-DFF3-1A4E-B1EF-3B1956C4E571}"/>
+              </a:ext>
+            </a:extLst>
+          </p:cNvPr>
+          <p:cNvCxnSpPr>
+            <a:cxnSpLocks/>
+          </p:cNvCxnSpPr>
+          <p:nvPr/>
+        </p:nvCxnSpPr>
+        <p:spPr>
+          <a:xfrm flipV="1">
+            <a:off x="2051720" y="1268760"/>
+            <a:ext cx="0" cy="288032"/>
+          </a:xfrm>
+          <a:prstGeom prst="straightConnector1">
+            <a:avLst/>
+          </a:prstGeom>
+          <a:ln w="12700">
+            <a:solidFill>
+              <a:schemeClr val="tx1"/>
+            </a:solidFill>
+            <a:tailEnd type="triangle"/>
+          </a:ln>
+        </p:spPr>
+        <p:style>
+          <a:lnRef idx="1">
+            <a:schemeClr val="accent1"/>
+          </a:lnRef>
+          <a:fillRef idx="0">
+            <a:schemeClr val="accent1"/>
+          </a:fillRef>
+          <a:effectRef idx="0">
+            <a:schemeClr val="accent1"/>
+          </a:effectRef>
+          <a:fontRef idx="minor">
+            <a:schemeClr val="tx1"/>
+          </a:fontRef>
+        </p:style>
+      </p:cxnSp>
+      <p:cxnSp>
+        <p:nvCxnSpPr>
+          <p:cNvPr id="12" name="直線矢印コネクタ 11">
+            <a:extLst>
+              <a:ext uri="{FF2B5EF4-FFF2-40B4-BE49-F238E27FC236}">
+                <a16:creationId xmlns:a16="http://schemas.microsoft.com/office/drawing/2014/main" id="{1275FD76-5BC9-F348-925C-10F12FCEFDDA}"/>
+              </a:ext>
+            </a:extLst>
+          </p:cNvPr>
+          <p:cNvCxnSpPr>
+            <a:cxnSpLocks/>
+          </p:cNvCxnSpPr>
+          <p:nvPr/>
+        </p:nvCxnSpPr>
+        <p:spPr>
+          <a:xfrm>
+            <a:off x="2051720" y="2276872"/>
+            <a:ext cx="0" cy="351656"/>
+          </a:xfrm>
+          <a:prstGeom prst="straightConnector1">
+            <a:avLst/>
+          </a:prstGeom>
+          <a:ln w="12700">
+            <a:solidFill>
+              <a:schemeClr val="tx1"/>
+            </a:solidFill>
+            <a:tailEnd type="triangle"/>
+          </a:ln>
+        </p:spPr>
+        <p:style>
+          <a:lnRef idx="1">
+            <a:schemeClr val="accent1"/>
+          </a:lnRef>
+          <a:fillRef idx="0">
+            <a:schemeClr val="accent1"/>
+          </a:fillRef>
+          <a:effectRef idx="0">
+            <a:schemeClr val="accent1"/>
+          </a:effectRef>
+          <a:fontRef idx="minor">
+            <a:schemeClr val="tx1"/>
+          </a:fontRef>
+        </p:style>
+      </p:cxnSp>
+      <p:sp>
+        <p:nvSpPr>
+          <p:cNvPr id="14" name="テキスト ボックス 13">
+            <a:extLst>
+              <a:ext uri="{FF2B5EF4-FFF2-40B4-BE49-F238E27FC236}">
+                <a16:creationId xmlns:a16="http://schemas.microsoft.com/office/drawing/2014/main" id="{371F7CB8-ECB8-5649-A6A3-D8041393A043}"/>
+              </a:ext>
+            </a:extLst>
+          </p:cNvPr>
+          <p:cNvSpPr txBox="1"/>
+          <p:nvPr/>
+        </p:nvSpPr>
+        <p:spPr>
+          <a:xfrm>
+            <a:off x="4427984" y="2132856"/>
+            <a:ext cx="1776961" cy="369332"/>
+          </a:xfrm>
+          <a:prstGeom prst="rect">
+            <a:avLst/>
+          </a:prstGeom>
+          <a:solidFill>
+            <a:schemeClr val="bg1"/>
+          </a:solidFill>
+          <a:ln>
+            <a:solidFill>
+              <a:schemeClr val="tx1"/>
+            </a:solidFill>
+          </a:ln>
+        </p:spPr>
+        <p:txBody>
+          <a:bodyPr wrap="none" rtlCol="0">
+            <a:spAutoFit/>
+          </a:bodyPr>
+          <a:lstStyle/>
+          <a:p>
+            <a:r>
+              <a:rPr kumimoji="1" lang="en-US" altLang="ja-JP"/>
+              <a:t>With Thermostat</a:t>
+            </a:r>
+            <a:endParaRPr kumimoji="1" lang="ja-JP" altLang="en-US"/>
+          </a:p>
+        </p:txBody>
+      </p:sp>
+      <p:cxnSp>
+        <p:nvCxnSpPr>
+          <p:cNvPr id="15" name="直線矢印コネクタ 14">
+            <a:extLst>
+              <a:ext uri="{FF2B5EF4-FFF2-40B4-BE49-F238E27FC236}">
+                <a16:creationId xmlns:a16="http://schemas.microsoft.com/office/drawing/2014/main" id="{7F918FAA-1FF1-5D44-A08C-FB267307FC1C}"/>
+              </a:ext>
+            </a:extLst>
+          </p:cNvPr>
+          <p:cNvCxnSpPr>
+            <a:cxnSpLocks/>
+          </p:cNvCxnSpPr>
+          <p:nvPr/>
+        </p:nvCxnSpPr>
+        <p:spPr>
+          <a:xfrm>
+            <a:off x="5724128" y="2564904"/>
+            <a:ext cx="0" cy="351656"/>
+          </a:xfrm>
+          <a:prstGeom prst="straightConnector1">
+            <a:avLst/>
+          </a:prstGeom>
+          <a:ln w="12700">
+            <a:solidFill>
+              <a:schemeClr val="tx1"/>
+            </a:solidFill>
+            <a:tailEnd type="triangle"/>
+          </a:ln>
+        </p:spPr>
+        <p:style>
+          <a:lnRef idx="1">
+            <a:schemeClr val="accent1"/>
+          </a:lnRef>
+          <a:fillRef idx="0">
+            <a:schemeClr val="accent1"/>
+          </a:fillRef>
+          <a:effectRef idx="0">
+            <a:schemeClr val="accent1"/>
+          </a:effectRef>
+          <a:fontRef idx="minor">
+            <a:schemeClr val="tx1"/>
+          </a:fontRef>
+        </p:style>
+      </p:cxnSp>
+      <p:sp>
+        <p:nvSpPr>
+          <p:cNvPr id="16" name="テキスト ボックス 15">
+            <a:extLst>
+              <a:ext uri="{FF2B5EF4-FFF2-40B4-BE49-F238E27FC236}">
+                <a16:creationId xmlns:a16="http://schemas.microsoft.com/office/drawing/2014/main" id="{14D26B27-128B-7E4E-ABE8-D65CE87106ED}"/>
+              </a:ext>
+            </a:extLst>
+          </p:cNvPr>
+          <p:cNvSpPr txBox="1"/>
+          <p:nvPr/>
+        </p:nvSpPr>
+        <p:spPr>
+          <a:xfrm>
+            <a:off x="5796136" y="3284984"/>
+            <a:ext cx="2097562" cy="369332"/>
+          </a:xfrm>
+          <a:prstGeom prst="rect">
+            <a:avLst/>
+          </a:prstGeom>
+          <a:noFill/>
+        </p:spPr>
+        <p:txBody>
+          <a:bodyPr wrap="none" rtlCol="0">
+            <a:spAutoFit/>
+          </a:bodyPr>
+          <a:lstStyle/>
+          <a:p>
+            <a:r>
+              <a:rPr kumimoji="1" lang="en-US" altLang="ja-JP"/>
+              <a:t>Without Thermostat</a:t>
+            </a:r>
+            <a:endParaRPr kumimoji="1" lang="ja-JP" altLang="en-US"/>
+          </a:p>
+        </p:txBody>
+      </p:sp>
+      <p:cxnSp>
+        <p:nvCxnSpPr>
+          <p:cNvPr id="17" name="直線矢印コネクタ 16">
+            <a:extLst>
+              <a:ext uri="{FF2B5EF4-FFF2-40B4-BE49-F238E27FC236}">
+                <a16:creationId xmlns:a16="http://schemas.microsoft.com/office/drawing/2014/main" id="{80E6F10A-7444-0B44-BAA9-36845CAD8577}"/>
+              </a:ext>
+            </a:extLst>
+          </p:cNvPr>
+          <p:cNvCxnSpPr>
+            <a:cxnSpLocks/>
+          </p:cNvCxnSpPr>
+          <p:nvPr/>
+        </p:nvCxnSpPr>
+        <p:spPr>
+          <a:xfrm flipV="1">
+            <a:off x="6876256" y="3068960"/>
+            <a:ext cx="0" cy="288032"/>
+          </a:xfrm>
+          <a:prstGeom prst="straightConnector1">
+            <a:avLst/>
+          </a:prstGeom>
+          <a:ln w="12700">
+            <a:solidFill>
+              <a:schemeClr val="tx1"/>
+            </a:solidFill>
+            <a:tailEnd type="triangle"/>
+          </a:ln>
+        </p:spPr>
+        <p:style>
+          <a:lnRef idx="1">
+            <a:schemeClr val="accent1"/>
+          </a:lnRef>
+          <a:fillRef idx="0">
+            <a:schemeClr val="accent1"/>
+          </a:fillRef>
+          <a:effectRef idx="0">
+            <a:schemeClr val="accent1"/>
+          </a:effectRef>
+          <a:fontRef idx="minor">
+            <a:schemeClr val="tx1"/>
+          </a:fontRef>
+        </p:style>
+      </p:cxnSp>
+      <p:sp>
+        <p:nvSpPr>
+          <p:cNvPr id="18" name="テキスト ボックス 17">
+            <a:extLst>
+              <a:ext uri="{FF2B5EF4-FFF2-40B4-BE49-F238E27FC236}">
+                <a16:creationId xmlns:a16="http://schemas.microsoft.com/office/drawing/2014/main" id="{BDD0541F-4D39-3C44-BC6E-C1D3286312B1}"/>
+              </a:ext>
+            </a:extLst>
+          </p:cNvPr>
+          <p:cNvSpPr txBox="1"/>
+          <p:nvPr/>
+        </p:nvSpPr>
+        <p:spPr>
+          <a:xfrm>
+            <a:off x="4788024" y="980728"/>
+            <a:ext cx="1683474" cy="369332"/>
+          </a:xfrm>
+          <a:prstGeom prst="rect">
+            <a:avLst/>
+          </a:prstGeom>
+          <a:noFill/>
+          <a:ln>
+            <a:noFill/>
+          </a:ln>
+        </p:spPr>
+        <p:txBody>
+          <a:bodyPr wrap="none" rtlCol="0">
+            <a:spAutoFit/>
+          </a:bodyPr>
+          <a:lstStyle/>
+          <a:p>
+            <a:r>
+              <a:rPr kumimoji="1" lang="en-US" altLang="ja-JP"/>
+              <a:t>Non-trivial peak</a:t>
+            </a:r>
+            <a:endParaRPr kumimoji="1" lang="ja-JP" altLang="en-US"/>
+          </a:p>
+        </p:txBody>
+      </p:sp>
+      <p:cxnSp>
+        <p:nvCxnSpPr>
+          <p:cNvPr id="20" name="直線矢印コネクタ 19">
+            <a:extLst>
+              <a:ext uri="{FF2B5EF4-FFF2-40B4-BE49-F238E27FC236}">
+                <a16:creationId xmlns:a16="http://schemas.microsoft.com/office/drawing/2014/main" id="{06973389-D221-5B43-A81A-50818297DE31}"/>
+              </a:ext>
+            </a:extLst>
+          </p:cNvPr>
+          <p:cNvCxnSpPr>
+            <a:cxnSpLocks/>
+          </p:cNvCxnSpPr>
+          <p:nvPr/>
+        </p:nvCxnSpPr>
+        <p:spPr>
+          <a:xfrm>
+            <a:off x="6372200" y="1196752"/>
+            <a:ext cx="216024" cy="0"/>
+          </a:xfrm>
+          <a:prstGeom prst="straightConnector1">
+            <a:avLst/>
+          </a:prstGeom>
+          <a:ln w="12700">
+            <a:solidFill>
+              <a:schemeClr val="tx1"/>
+            </a:solidFill>
+            <a:tailEnd type="triangle"/>
+          </a:ln>
+        </p:spPr>
+        <p:style>
+          <a:lnRef idx="1">
+            <a:schemeClr val="accent1"/>
+          </a:lnRef>
+          <a:fillRef idx="0">
+            <a:schemeClr val="accent1"/>
+          </a:fillRef>
+          <a:effectRef idx="0">
+            <a:schemeClr val="accent1"/>
+          </a:effectRef>
+          <a:fontRef idx="minor">
+            <a:schemeClr val="tx1"/>
+          </a:fontRef>
+        </p:style>
+      </p:cxnSp>
+      <p:sp>
+        <p:nvSpPr>
+          <p:cNvPr id="23" name="テキスト ボックス 22">
+            <a:extLst>
+              <a:ext uri="{FF2B5EF4-FFF2-40B4-BE49-F238E27FC236}">
+                <a16:creationId xmlns:a16="http://schemas.microsoft.com/office/drawing/2014/main" id="{B3AFBC74-EF7A-3045-8093-9EBA4B21B6A8}"/>
+              </a:ext>
+            </a:extLst>
+          </p:cNvPr>
+          <p:cNvSpPr txBox="1"/>
+          <p:nvPr/>
+        </p:nvSpPr>
+        <p:spPr>
+          <a:xfrm>
+            <a:off x="1763688" y="3284984"/>
+            <a:ext cx="649537" cy="369332"/>
+          </a:xfrm>
+          <a:prstGeom prst="rect">
+            <a:avLst/>
+          </a:prstGeom>
+          <a:noFill/>
+        </p:spPr>
+        <p:txBody>
+          <a:bodyPr wrap="none" rtlCol="0">
+            <a:spAutoFit/>
+          </a:bodyPr>
+          <a:lstStyle/>
+          <a:p>
+            <a:r>
+              <a:rPr kumimoji="1" lang="en-US" altLang="ja-JP"/>
+              <a:t>Time</a:t>
+            </a:r>
+            <a:endParaRPr kumimoji="1" lang="ja-JP" altLang="en-US"/>
+          </a:p>
+        </p:txBody>
+      </p:sp>
+    </p:spTree>
+    <p:extLst>
+      <p:ext uri="{BB962C8B-B14F-4D97-AF65-F5344CB8AC3E}">
+        <p14:creationId xmlns:p14="http://schemas.microsoft.com/office/powerpoint/2010/main" val="3832651509"/>
       </p:ext>
     </p:extLst>
   </p:cSld>

--- a/ergodic/fig.pptx
+++ b/ergodic/fig.pptx
@@ -9,6 +9,7 @@
     <p:sldId id="260" r:id="rId3"/>
     <p:sldId id="261" r:id="rId4"/>
     <p:sldId id="262" r:id="rId5"/>
+    <p:sldId id="263" r:id="rId6"/>
   </p:sldIdLst>
   <p:sldSz cx="9144000" cy="6858000" type="screen4x3"/>
   <p:notesSz cx="6858000" cy="9144000"/>
@@ -2550,6 +2551,222 @@
     <p:extLst>
       <p:ext uri="{BB962C8B-B14F-4D97-AF65-F5344CB8AC3E}">
         <p14:creationId xmlns:p14="http://schemas.microsoft.com/office/powerpoint/2010/main" val="3832651509"/>
+      </p:ext>
+    </p:extLst>
+  </p:cSld>
+  <p:clrMapOvr>
+    <a:masterClrMapping/>
+  </p:clrMapOvr>
+</p:sld>
+</file>
+
+<file path=ppt/slides/slide5.xml><?xml version="1.0" encoding="utf-8"?>
+<p:sld xmlns:a="http://schemas.openxmlformats.org/drawingml/2006/main" xmlns:r="http://schemas.openxmlformats.org/officeDocument/2006/relationships" xmlns:p="http://schemas.openxmlformats.org/presentationml/2006/main">
+  <p:cSld>
+    <p:spTree>
+      <p:nvGrpSpPr>
+        <p:cNvPr id="1" name=""/>
+        <p:cNvGrpSpPr/>
+        <p:nvPr/>
+      </p:nvGrpSpPr>
+      <p:grpSpPr>
+        <a:xfrm>
+          <a:off x="0" y="0"/>
+          <a:ext cx="0" cy="0"/>
+          <a:chOff x="0" y="0"/>
+          <a:chExt cx="0" cy="0"/>
+        </a:xfrm>
+      </p:grpSpPr>
+      <p:pic>
+        <p:nvPicPr>
+          <p:cNvPr id="2" name="図 1" descr="temperature.eps">
+            <a:extLst>
+              <a:ext uri="{FF2B5EF4-FFF2-40B4-BE49-F238E27FC236}">
+                <a16:creationId xmlns:a16="http://schemas.microsoft.com/office/drawing/2014/main" id="{17771874-AAC3-1343-95B8-2C7671EC37FF}"/>
+              </a:ext>
+            </a:extLst>
+          </p:cNvPr>
+          <p:cNvPicPr>
+            <a:picLocks noChangeAspect="1"/>
+          </p:cNvPicPr>
+          <p:nvPr/>
+        </p:nvPicPr>
+        <mc:AlternateContent xmlns:mc="http://schemas.openxmlformats.org/markup-compatibility/2006">
+          <mc:Choice xmlns:ma="http://schemas.microsoft.com/office/mac/drawingml/2008/main" xmlns:mv="urn:schemas-microsoft-com:mac:vml" xmlns="" Requires="ma">
+            <p:blipFill>
+              <a:blip r:embed="rId2"/>
+              <a:stretch>
+                <a:fillRect/>
+              </a:stretch>
+            </p:blipFill>
+          </mc:Choice>
+          <mc:Fallback>
+            <p:blipFill>
+              <a:blip r:embed="rId3"/>
+              <a:stretch>
+                <a:fillRect/>
+              </a:stretch>
+            </p:blipFill>
+          </mc:Fallback>
+        </mc:AlternateContent>
+        <p:spPr>
+          <a:xfrm>
+            <a:off x="1907704" y="908720"/>
+            <a:ext cx="4238185" cy="2966729"/>
+          </a:xfrm>
+          <a:prstGeom prst="rect">
+            <a:avLst/>
+          </a:prstGeom>
+        </p:spPr>
+      </p:pic>
+      <p:sp>
+        <p:nvSpPr>
+          <p:cNvPr id="3" name="テキスト ボックス 2">
+            <a:extLst>
+              <a:ext uri="{FF2B5EF4-FFF2-40B4-BE49-F238E27FC236}">
+                <a16:creationId xmlns:a16="http://schemas.microsoft.com/office/drawing/2014/main" id="{CA1391CE-48B2-B540-928C-20E96F2AC198}"/>
+              </a:ext>
+            </a:extLst>
+          </p:cNvPr>
+          <p:cNvSpPr txBox="1"/>
+          <p:nvPr/>
+        </p:nvSpPr>
+        <p:spPr>
+          <a:xfrm>
+            <a:off x="3779912" y="3861048"/>
+            <a:ext cx="649537" cy="369332"/>
+          </a:xfrm>
+          <a:prstGeom prst="rect">
+            <a:avLst/>
+          </a:prstGeom>
+          <a:noFill/>
+        </p:spPr>
+        <p:txBody>
+          <a:bodyPr wrap="none" rtlCol="0">
+            <a:spAutoFit/>
+          </a:bodyPr>
+          <a:lstStyle/>
+          <a:p>
+            <a:r>
+              <a:rPr kumimoji="1" lang="en-US" altLang="ja-JP"/>
+              <a:t>Time</a:t>
+            </a:r>
+            <a:endParaRPr kumimoji="1" lang="ja-JP" altLang="en-US"/>
+          </a:p>
+        </p:txBody>
+      </p:sp>
+      <p:sp>
+        <p:nvSpPr>
+          <p:cNvPr id="4" name="テキスト ボックス 3">
+            <a:extLst>
+              <a:ext uri="{FF2B5EF4-FFF2-40B4-BE49-F238E27FC236}">
+                <a16:creationId xmlns:a16="http://schemas.microsoft.com/office/drawing/2014/main" id="{47B6D143-EECE-D949-8A93-007C24DC1BC6}"/>
+              </a:ext>
+            </a:extLst>
+          </p:cNvPr>
+          <p:cNvSpPr txBox="1"/>
+          <p:nvPr/>
+        </p:nvSpPr>
+        <p:spPr>
+          <a:xfrm rot="16200000">
+            <a:off x="1254062" y="2138426"/>
+            <a:ext cx="1388585" cy="369332"/>
+          </a:xfrm>
+          <a:prstGeom prst="rect">
+            <a:avLst/>
+          </a:prstGeom>
+          <a:noFill/>
+        </p:spPr>
+        <p:txBody>
+          <a:bodyPr wrap="none" rtlCol="0">
+            <a:spAutoFit/>
+          </a:bodyPr>
+          <a:lstStyle/>
+          <a:p>
+            <a:r>
+              <a:rPr kumimoji="1" lang="en-US" altLang="ja-JP"/>
+              <a:t>Temperature</a:t>
+            </a:r>
+            <a:endParaRPr kumimoji="1" lang="ja-JP" altLang="en-US"/>
+          </a:p>
+        </p:txBody>
+      </p:sp>
+      <p:sp>
+        <p:nvSpPr>
+          <p:cNvPr id="5" name="テキスト ボックス 4">
+            <a:extLst>
+              <a:ext uri="{FF2B5EF4-FFF2-40B4-BE49-F238E27FC236}">
+                <a16:creationId xmlns:a16="http://schemas.microsoft.com/office/drawing/2014/main" id="{1899DBF9-D763-5D42-A6BE-6E90E8D3A5BD}"/>
+              </a:ext>
+            </a:extLst>
+          </p:cNvPr>
+          <p:cNvSpPr txBox="1"/>
+          <p:nvPr/>
+        </p:nvSpPr>
+        <p:spPr>
+          <a:xfrm>
+            <a:off x="2699792" y="2996952"/>
+            <a:ext cx="2078261" cy="369332"/>
+          </a:xfrm>
+          <a:prstGeom prst="rect">
+            <a:avLst/>
+          </a:prstGeom>
+          <a:noFill/>
+        </p:spPr>
+        <p:txBody>
+          <a:bodyPr wrap="none" rtlCol="0">
+            <a:spAutoFit/>
+          </a:bodyPr>
+          <a:lstStyle/>
+          <a:p>
+            <a:r>
+              <a:rPr kumimoji="1" lang="en-US" altLang="ja-JP"/>
+              <a:t>Kinetic Temperature</a:t>
+            </a:r>
+            <a:endParaRPr kumimoji="1" lang="ja-JP" altLang="en-US"/>
+          </a:p>
+        </p:txBody>
+      </p:sp>
+      <p:sp>
+        <p:nvSpPr>
+          <p:cNvPr id="6" name="テキスト ボックス 5">
+            <a:extLst>
+              <a:ext uri="{FF2B5EF4-FFF2-40B4-BE49-F238E27FC236}">
+                <a16:creationId xmlns:a16="http://schemas.microsoft.com/office/drawing/2014/main" id="{A77C4C67-2517-2D46-BC04-8AC0055FD1C4}"/>
+              </a:ext>
+            </a:extLst>
+          </p:cNvPr>
+          <p:cNvSpPr txBox="1"/>
+          <p:nvPr/>
+        </p:nvSpPr>
+        <p:spPr>
+          <a:xfrm>
+            <a:off x="2915816" y="1772816"/>
+            <a:ext cx="2718886" cy="369332"/>
+          </a:xfrm>
+          <a:prstGeom prst="rect">
+            <a:avLst/>
+          </a:prstGeom>
+          <a:noFill/>
+        </p:spPr>
+        <p:txBody>
+          <a:bodyPr wrap="none" rtlCol="0">
+            <a:spAutoFit/>
+          </a:bodyPr>
+          <a:lstStyle/>
+          <a:p>
+            <a:r>
+              <a:rPr kumimoji="1" lang="en-US" altLang="ja-JP"/>
+              <a:t>Configuration Temperature</a:t>
+            </a:r>
+            <a:endParaRPr kumimoji="1" lang="ja-JP" altLang="en-US"/>
+          </a:p>
+        </p:txBody>
+      </p:sp>
+    </p:spTree>
+    <p:extLst>
+      <p:ext uri="{BB962C8B-B14F-4D97-AF65-F5344CB8AC3E}">
+        <p14:creationId xmlns:p14="http://schemas.microsoft.com/office/powerpoint/2010/main" val="2489673676"/>
       </p:ext>
     </p:extLst>
   </p:cSld>

--- a/ergodic/fig.pptx
+++ b/ergodic/fig.pptx
@@ -1923,6 +1923,351 @@
           </a:p>
         </p:txBody>
       </p:sp>
+      <p:pic>
+        <p:nvPicPr>
+          <p:cNvPr id="7" name="図 6" descr="bindroplet_nosehoover.eps">
+            <a:extLst>
+              <a:ext uri="{FF2B5EF4-FFF2-40B4-BE49-F238E27FC236}">
+                <a16:creationId xmlns:a16="http://schemas.microsoft.com/office/drawing/2014/main" id="{28EAFEB1-0D52-E54B-87A1-70CFEA8C54F6}"/>
+              </a:ext>
+            </a:extLst>
+          </p:cNvPr>
+          <p:cNvPicPr>
+            <a:picLocks noChangeAspect="1"/>
+          </p:cNvPicPr>
+          <p:nvPr/>
+        </p:nvPicPr>
+        <mc:AlternateContent xmlns:mc="http://schemas.openxmlformats.org/markup-compatibility/2006">
+          <mc:Choice xmlns:ma="http://schemas.microsoft.com/office/mac/drawingml/2008/main" xmlns:mv="urn:schemas-microsoft-com:mac:vml" xmlns="" Requires="ma">
+            <p:blipFill>
+              <a:blip r:embed="rId2"/>
+              <a:stretch>
+                <a:fillRect/>
+              </a:stretch>
+            </p:blipFill>
+          </mc:Choice>
+          <mc:Fallback>
+            <p:blipFill>
+              <a:blip r:embed="rId3"/>
+              <a:stretch>
+                <a:fillRect/>
+              </a:stretch>
+            </p:blipFill>
+          </mc:Fallback>
+        </mc:AlternateContent>
+        <p:spPr>
+          <a:xfrm>
+            <a:off x="755575" y="3565436"/>
+            <a:ext cx="3672408" cy="2570685"/>
+          </a:xfrm>
+          <a:prstGeom prst="rect">
+            <a:avLst/>
+          </a:prstGeom>
+        </p:spPr>
+      </p:pic>
+      <p:pic>
+        <p:nvPicPr>
+          <p:cNvPr id="8" name="図 7" descr="bindroplet_langevin.eps">
+            <a:extLst>
+              <a:ext uri="{FF2B5EF4-FFF2-40B4-BE49-F238E27FC236}">
+                <a16:creationId xmlns:a16="http://schemas.microsoft.com/office/drawing/2014/main" id="{6AF2EE6A-EC00-CE44-BBC9-FC1BCBBA406F}"/>
+              </a:ext>
+            </a:extLst>
+          </p:cNvPr>
+          <p:cNvPicPr>
+            <a:picLocks noChangeAspect="1"/>
+          </p:cNvPicPr>
+          <p:nvPr/>
+        </p:nvPicPr>
+        <mc:AlternateContent xmlns:mc="http://schemas.openxmlformats.org/markup-compatibility/2006">
+          <mc:Choice xmlns:ma="http://schemas.microsoft.com/office/mac/drawingml/2008/main" xmlns:mv="urn:schemas-microsoft-com:mac:vml" xmlns="" Requires="ma">
+            <p:blipFill>
+              <a:blip r:embed="rId4"/>
+              <a:stretch>
+                <a:fillRect/>
+              </a:stretch>
+            </p:blipFill>
+          </mc:Choice>
+          <mc:Fallback>
+            <p:blipFill>
+              <a:blip r:embed="rId5"/>
+              <a:stretch>
+                <a:fillRect/>
+              </a:stretch>
+            </p:blipFill>
+          </mc:Fallback>
+        </mc:AlternateContent>
+        <p:spPr>
+          <a:xfrm>
+            <a:off x="4355976" y="3573016"/>
+            <a:ext cx="3672408" cy="2570685"/>
+          </a:xfrm>
+          <a:prstGeom prst="rect">
+            <a:avLst/>
+          </a:prstGeom>
+        </p:spPr>
+      </p:pic>
+      <p:pic>
+        <p:nvPicPr>
+          <p:cNvPr id="9" name="図 8" descr="conf0025.png">
+            <a:hlinkClick r:id="rId6" action="ppaction://hlinkfile"/>
+            <a:extLst>
+              <a:ext uri="{FF2B5EF4-FFF2-40B4-BE49-F238E27FC236}">
+                <a16:creationId xmlns:a16="http://schemas.microsoft.com/office/drawing/2014/main" id="{35299D91-695A-3A4E-A52C-E560ED8C4B67}"/>
+              </a:ext>
+            </a:extLst>
+          </p:cNvPr>
+          <p:cNvPicPr>
+            <a:picLocks noChangeAspect="1"/>
+          </p:cNvPicPr>
+          <p:nvPr/>
+        </p:nvPicPr>
+        <p:blipFill>
+          <a:blip r:embed="rId7"/>
+          <a:stretch>
+            <a:fillRect/>
+          </a:stretch>
+        </p:blipFill>
+        <p:spPr>
+          <a:xfrm>
+            <a:off x="2987824" y="1988840"/>
+            <a:ext cx="1779389" cy="1334541"/>
+          </a:xfrm>
+          <a:prstGeom prst="rect">
+            <a:avLst/>
+          </a:prstGeom>
+        </p:spPr>
+      </p:pic>
+      <p:cxnSp>
+        <p:nvCxnSpPr>
+          <p:cNvPr id="11" name="直線矢印コネクタ 10">
+            <a:extLst>
+              <a:ext uri="{FF2B5EF4-FFF2-40B4-BE49-F238E27FC236}">
+                <a16:creationId xmlns:a16="http://schemas.microsoft.com/office/drawing/2014/main" id="{65D70B5F-8567-F244-A5BC-FFCBC97E138B}"/>
+              </a:ext>
+            </a:extLst>
+          </p:cNvPr>
+          <p:cNvCxnSpPr/>
+          <p:nvPr/>
+        </p:nvCxnSpPr>
+        <p:spPr>
+          <a:xfrm flipH="1">
+            <a:off x="4427984" y="2276872"/>
+            <a:ext cx="792088" cy="0"/>
+          </a:xfrm>
+          <a:prstGeom prst="straightConnector1">
+            <a:avLst/>
+          </a:prstGeom>
+          <a:ln w="12700">
+            <a:solidFill>
+              <a:schemeClr val="accent1"/>
+            </a:solidFill>
+            <a:tailEnd type="triangle"/>
+          </a:ln>
+        </p:spPr>
+        <p:style>
+          <a:lnRef idx="1">
+            <a:schemeClr val="accent1"/>
+          </a:lnRef>
+          <a:fillRef idx="0">
+            <a:schemeClr val="accent1"/>
+          </a:fillRef>
+          <a:effectRef idx="0">
+            <a:schemeClr val="accent1"/>
+          </a:effectRef>
+          <a:fontRef idx="minor">
+            <a:schemeClr val="tx1"/>
+          </a:fontRef>
+        </p:style>
+      </p:cxnSp>
+      <p:sp>
+        <p:nvSpPr>
+          <p:cNvPr id="12" name="テキスト ボックス 11">
+            <a:extLst>
+              <a:ext uri="{FF2B5EF4-FFF2-40B4-BE49-F238E27FC236}">
+                <a16:creationId xmlns:a16="http://schemas.microsoft.com/office/drawing/2014/main" id="{0ACF82A9-0E60-A14D-9626-A64B5C357976}"/>
+              </a:ext>
+            </a:extLst>
+          </p:cNvPr>
+          <p:cNvSpPr txBox="1"/>
+          <p:nvPr/>
+        </p:nvSpPr>
+        <p:spPr>
+          <a:xfrm>
+            <a:off x="5220072" y="2060848"/>
+            <a:ext cx="949747" cy="369332"/>
+          </a:xfrm>
+          <a:prstGeom prst="rect">
+            <a:avLst/>
+          </a:prstGeom>
+          <a:noFill/>
+        </p:spPr>
+        <p:txBody>
+          <a:bodyPr wrap="none" rtlCol="0">
+            <a:spAutoFit/>
+          </a:bodyPr>
+          <a:lstStyle/>
+          <a:p>
+            <a:r>
+              <a:rPr kumimoji="1" lang="en-US" altLang="ja-JP"/>
+              <a:t>A atoms</a:t>
+            </a:r>
+            <a:endParaRPr kumimoji="1" lang="ja-JP" altLang="en-US"/>
+          </a:p>
+        </p:txBody>
+      </p:sp>
+      <p:cxnSp>
+        <p:nvCxnSpPr>
+          <p:cNvPr id="13" name="直線矢印コネクタ 12">
+            <a:extLst>
+              <a:ext uri="{FF2B5EF4-FFF2-40B4-BE49-F238E27FC236}">
+                <a16:creationId xmlns:a16="http://schemas.microsoft.com/office/drawing/2014/main" id="{72D60B84-AC9B-A44B-A1F5-D42FFEDA65F2}"/>
+              </a:ext>
+            </a:extLst>
+          </p:cNvPr>
+          <p:cNvCxnSpPr>
+            <a:cxnSpLocks/>
+          </p:cNvCxnSpPr>
+          <p:nvPr/>
+        </p:nvCxnSpPr>
+        <p:spPr>
+          <a:xfrm flipH="1">
+            <a:off x="4283968" y="2636912"/>
+            <a:ext cx="936104" cy="0"/>
+          </a:xfrm>
+          <a:prstGeom prst="straightConnector1">
+            <a:avLst/>
+          </a:prstGeom>
+          <a:ln w="12700">
+            <a:solidFill>
+              <a:schemeClr val="accent1"/>
+            </a:solidFill>
+            <a:tailEnd type="triangle"/>
+          </a:ln>
+        </p:spPr>
+        <p:style>
+          <a:lnRef idx="1">
+            <a:schemeClr val="accent1"/>
+          </a:lnRef>
+          <a:fillRef idx="0">
+            <a:schemeClr val="accent1"/>
+          </a:fillRef>
+          <a:effectRef idx="0">
+            <a:schemeClr val="accent1"/>
+          </a:effectRef>
+          <a:fontRef idx="minor">
+            <a:schemeClr val="tx1"/>
+          </a:fontRef>
+        </p:style>
+      </p:cxnSp>
+      <p:sp>
+        <p:nvSpPr>
+          <p:cNvPr id="14" name="テキスト ボックス 13">
+            <a:extLst>
+              <a:ext uri="{FF2B5EF4-FFF2-40B4-BE49-F238E27FC236}">
+                <a16:creationId xmlns:a16="http://schemas.microsoft.com/office/drawing/2014/main" id="{37F462E2-CDCC-8041-8A65-E3B7121AAFC2}"/>
+              </a:ext>
+            </a:extLst>
+          </p:cNvPr>
+          <p:cNvSpPr txBox="1"/>
+          <p:nvPr/>
+        </p:nvSpPr>
+        <p:spPr>
+          <a:xfrm>
+            <a:off x="5220072" y="2420888"/>
+            <a:ext cx="949747" cy="369332"/>
+          </a:xfrm>
+          <a:prstGeom prst="rect">
+            <a:avLst/>
+          </a:prstGeom>
+          <a:noFill/>
+        </p:spPr>
+        <p:txBody>
+          <a:bodyPr wrap="square" rtlCol="0">
+            <a:spAutoFit/>
+          </a:bodyPr>
+          <a:lstStyle/>
+          <a:p>
+            <a:r>
+              <a:rPr kumimoji="1" lang="en-US" altLang="ja-JP"/>
+              <a:t>B atoms</a:t>
+            </a:r>
+            <a:endParaRPr kumimoji="1" lang="ja-JP" altLang="en-US"/>
+          </a:p>
+        </p:txBody>
+      </p:sp>
+      <p:sp>
+        <p:nvSpPr>
+          <p:cNvPr id="16" name="テキスト ボックス 15">
+            <a:extLst>
+              <a:ext uri="{FF2B5EF4-FFF2-40B4-BE49-F238E27FC236}">
+                <a16:creationId xmlns:a16="http://schemas.microsoft.com/office/drawing/2014/main" id="{DEA948E6-4025-804F-9B6B-B4ED14CC67EE}"/>
+              </a:ext>
+            </a:extLst>
+          </p:cNvPr>
+          <p:cNvSpPr txBox="1"/>
+          <p:nvPr/>
+        </p:nvSpPr>
+        <p:spPr>
+          <a:xfrm>
+            <a:off x="2123728" y="3356992"/>
+            <a:ext cx="1415709" cy="369332"/>
+          </a:xfrm>
+          <a:prstGeom prst="rect">
+            <a:avLst/>
+          </a:prstGeom>
+          <a:noFill/>
+        </p:spPr>
+        <p:txBody>
+          <a:bodyPr wrap="none" rtlCol="0">
+            <a:spAutoFit/>
+          </a:bodyPr>
+          <a:lstStyle/>
+          <a:p>
+            <a:r>
+              <a:rPr kumimoji="1" lang="en-US" altLang="ja-JP"/>
+              <a:t>Nose-Hoover</a:t>
+            </a:r>
+            <a:endParaRPr kumimoji="1" lang="ja-JP" altLang="en-US"/>
+          </a:p>
+        </p:txBody>
+      </p:sp>
+      <p:sp>
+        <p:nvSpPr>
+          <p:cNvPr id="17" name="テキスト ボックス 16">
+            <a:extLst>
+              <a:ext uri="{FF2B5EF4-FFF2-40B4-BE49-F238E27FC236}">
+                <a16:creationId xmlns:a16="http://schemas.microsoft.com/office/drawing/2014/main" id="{B4C337BE-C96C-374C-AAD4-E6957FBDF627}"/>
+              </a:ext>
+            </a:extLst>
+          </p:cNvPr>
+          <p:cNvSpPr txBox="1"/>
+          <p:nvPr/>
+        </p:nvSpPr>
+        <p:spPr>
+          <a:xfrm>
+            <a:off x="5796136" y="3284984"/>
+            <a:ext cx="1015150" cy="369332"/>
+          </a:xfrm>
+          <a:prstGeom prst="rect">
+            <a:avLst/>
+          </a:prstGeom>
+          <a:noFill/>
+        </p:spPr>
+        <p:txBody>
+          <a:bodyPr wrap="none" rtlCol="0">
+            <a:spAutoFit/>
+          </a:bodyPr>
+          <a:lstStyle/>
+          <a:p>
+            <a:r>
+              <a:rPr kumimoji="1" lang="en-US" altLang="ja-JP"/>
+              <a:t>Langevin</a:t>
+            </a:r>
+            <a:endParaRPr kumimoji="1" lang="ja-JP" altLang="en-US"/>
+          </a:p>
+        </p:txBody>
+      </p:sp>
     </p:spTree>
     <p:extLst>
       <p:ext uri="{BB962C8B-B14F-4D97-AF65-F5344CB8AC3E}">
@@ -2592,7 +2937,7 @@
           <p:nvPr/>
         </p:nvPicPr>
         <mc:AlternateContent xmlns:mc="http://schemas.openxmlformats.org/markup-compatibility/2006">
-          <mc:Choice xmlns:ma="http://schemas.microsoft.com/office/mac/drawingml/2008/main" xmlns:mv="urn:schemas-microsoft-com:mac:vml" xmlns="" Requires="ma">
+          <mc:Choice xmlns="" xmlns:mv="urn:schemas-microsoft-com:mac:vml" xmlns:ma="http://schemas.microsoft.com/office/mac/drawingml/2008/main" Requires="ma">
             <p:blipFill>
               <a:blip r:embed="rId2"/>
               <a:stretch>
